--- a/Sales_Insights_Data_Analysis_Project.pptx
+++ b/Sales_Insights_Data_Analysis_Project.pptx
@@ -21,9 +21,12 @@
     <p:sldId id="268" r:id="rId15"/>
     <p:sldId id="269" r:id="rId16"/>
     <p:sldId id="267" r:id="rId17"/>
-    <p:sldId id="264" r:id="rId18"/>
-    <p:sldId id="265" r:id="rId19"/>
-    <p:sldId id="266" r:id="rId20"/>
+    <p:sldId id="275" r:id="rId18"/>
+    <p:sldId id="277" r:id="rId19"/>
+    <p:sldId id="276" r:id="rId20"/>
+    <p:sldId id="264" r:id="rId21"/>
+    <p:sldId id="265" r:id="rId22"/>
+    <p:sldId id="266" r:id="rId23"/>
   </p:sldIdLst>
   <p:sldSz cx="9144000" cy="6858000" type="screen4x3"/>
   <p:notesSz cx="6858000" cy="9144000"/>
@@ -327,7 +330,7 @@
           <a:p>
             <a:fld id="{5BCAD085-E8A6-8845-BD4E-CB4CCA059FC4}" type="datetimeFigureOut">
               <a:rPr lang="en-US" smtClean="0"/>
-              <a:t>8/10/2024</a:t>
+              <a:t>8/12/2024</a:t>
             </a:fld>
             <a:endParaRPr lang="en-US"/>
           </a:p>
@@ -602,7 +605,7 @@
           <a:p>
             <a:fld id="{5BCAD085-E8A6-8845-BD4E-CB4CCA059FC4}" type="datetimeFigureOut">
               <a:rPr lang="en-US" smtClean="0"/>
-              <a:t>8/10/2024</a:t>
+              <a:t>8/12/2024</a:t>
             </a:fld>
             <a:endParaRPr lang="en-US"/>
           </a:p>
@@ -796,7 +799,7 @@
           <a:p>
             <a:fld id="{5BCAD085-E8A6-8845-BD4E-CB4CCA059FC4}" type="datetimeFigureOut">
               <a:rPr lang="en-US" smtClean="0"/>
-              <a:t>8/10/2024</a:t>
+              <a:t>8/12/2024</a:t>
             </a:fld>
             <a:endParaRPr lang="en-US"/>
           </a:p>
@@ -1069,7 +1072,7 @@
           <a:p>
             <a:fld id="{5BCAD085-E8A6-8845-BD4E-CB4CCA059FC4}" type="datetimeFigureOut">
               <a:rPr lang="en-US" smtClean="0"/>
-              <a:t>8/10/2024</a:t>
+              <a:t>8/12/2024</a:t>
             </a:fld>
             <a:endParaRPr lang="en-US"/>
           </a:p>
@@ -1410,7 +1413,7 @@
           <a:p>
             <a:fld id="{5BCAD085-E8A6-8845-BD4E-CB4CCA059FC4}" type="datetimeFigureOut">
               <a:rPr lang="en-US" smtClean="0"/>
-              <a:t>8/10/2024</a:t>
+              <a:t>8/12/2024</a:t>
             </a:fld>
             <a:endParaRPr lang="en-US"/>
           </a:p>
@@ -2033,7 +2036,7 @@
           <a:p>
             <a:fld id="{5BCAD085-E8A6-8845-BD4E-CB4CCA059FC4}" type="datetimeFigureOut">
               <a:rPr lang="en-US" smtClean="0"/>
-              <a:t>8/10/2024</a:t>
+              <a:t>8/12/2024</a:t>
             </a:fld>
             <a:endParaRPr lang="en-US"/>
           </a:p>
@@ -2893,7 +2896,7 @@
           <a:p>
             <a:fld id="{5BCAD085-E8A6-8845-BD4E-CB4CCA059FC4}" type="datetimeFigureOut">
               <a:rPr lang="en-US" smtClean="0"/>
-              <a:t>8/10/2024</a:t>
+              <a:t>8/12/2024</a:t>
             </a:fld>
             <a:endParaRPr lang="en-US"/>
           </a:p>
@@ -3063,7 +3066,7 @@
           <a:p>
             <a:fld id="{5BCAD085-E8A6-8845-BD4E-CB4CCA059FC4}" type="datetimeFigureOut">
               <a:rPr lang="en-US" smtClean="0"/>
-              <a:t>8/10/2024</a:t>
+              <a:t>8/12/2024</a:t>
             </a:fld>
             <a:endParaRPr lang="en-US"/>
           </a:p>
@@ -3243,7 +3246,7 @@
           <a:p>
             <a:fld id="{5BCAD085-E8A6-8845-BD4E-CB4CCA059FC4}" type="datetimeFigureOut">
               <a:rPr lang="en-US" smtClean="0"/>
-              <a:t>8/10/2024</a:t>
+              <a:t>8/12/2024</a:t>
             </a:fld>
             <a:endParaRPr lang="en-US"/>
           </a:p>
@@ -3413,7 +3416,7 @@
           <a:p>
             <a:fld id="{5BCAD085-E8A6-8845-BD4E-CB4CCA059FC4}" type="datetimeFigureOut">
               <a:rPr lang="en-US" smtClean="0"/>
-              <a:t>8/10/2024</a:t>
+              <a:t>8/12/2024</a:t>
             </a:fld>
             <a:endParaRPr lang="en-US"/>
           </a:p>
@@ -3660,7 +3663,7 @@
           <a:p>
             <a:fld id="{5BCAD085-E8A6-8845-BD4E-CB4CCA059FC4}" type="datetimeFigureOut">
               <a:rPr lang="en-US" smtClean="0"/>
-              <a:t>8/10/2024</a:t>
+              <a:t>8/12/2024</a:t>
             </a:fld>
             <a:endParaRPr lang="en-US"/>
           </a:p>
@@ -3952,7 +3955,7 @@
           <a:p>
             <a:fld id="{5BCAD085-E8A6-8845-BD4E-CB4CCA059FC4}" type="datetimeFigureOut">
               <a:rPr lang="en-US" smtClean="0"/>
-              <a:t>8/10/2024</a:t>
+              <a:t>8/12/2024</a:t>
             </a:fld>
             <a:endParaRPr lang="en-US"/>
           </a:p>
@@ -4396,7 +4399,7 @@
           <a:p>
             <a:fld id="{5BCAD085-E8A6-8845-BD4E-CB4CCA059FC4}" type="datetimeFigureOut">
               <a:rPr lang="en-US" smtClean="0"/>
-              <a:t>8/10/2024</a:t>
+              <a:t>8/12/2024</a:t>
             </a:fld>
             <a:endParaRPr lang="en-US"/>
           </a:p>
@@ -4514,7 +4517,7 @@
           <a:p>
             <a:fld id="{5BCAD085-E8A6-8845-BD4E-CB4CCA059FC4}" type="datetimeFigureOut">
               <a:rPr lang="en-US" smtClean="0"/>
-              <a:t>8/10/2024</a:t>
+              <a:t>8/12/2024</a:t>
             </a:fld>
             <a:endParaRPr lang="en-US"/>
           </a:p>
@@ -4609,7 +4612,7 @@
           <a:p>
             <a:fld id="{5BCAD085-E8A6-8845-BD4E-CB4CCA059FC4}" type="datetimeFigureOut">
               <a:rPr lang="en-US" smtClean="0"/>
-              <a:t>8/10/2024</a:t>
+              <a:t>8/12/2024</a:t>
             </a:fld>
             <a:endParaRPr lang="en-US"/>
           </a:p>
@@ -4888,7 +4891,7 @@
           <a:p>
             <a:fld id="{5BCAD085-E8A6-8845-BD4E-CB4CCA059FC4}" type="datetimeFigureOut">
               <a:rPr lang="en-US" smtClean="0"/>
-              <a:t>8/10/2024</a:t>
+              <a:t>8/12/2024</a:t>
             </a:fld>
             <a:endParaRPr lang="en-US"/>
           </a:p>
@@ -5163,7 +5166,7 @@
           <a:p>
             <a:fld id="{5BCAD085-E8A6-8845-BD4E-CB4CCA059FC4}" type="datetimeFigureOut">
               <a:rPr lang="en-US" smtClean="0"/>
-              <a:t>8/10/2024</a:t>
+              <a:t>8/12/2024</a:t>
             </a:fld>
             <a:endParaRPr lang="en-US"/>
           </a:p>
@@ -5728,7 +5731,7 @@
           <a:p>
             <a:fld id="{5BCAD085-E8A6-8845-BD4E-CB4CCA059FC4}" type="datetimeFigureOut">
               <a:rPr lang="en-US" smtClean="0"/>
-              <a:t>8/10/2024</a:t>
+              <a:t>8/12/2024</a:t>
             </a:fld>
             <a:endParaRPr lang="en-US"/>
           </a:p>
@@ -7596,16 +7599,19 @@
             <p:ph type="title"/>
           </p:nvPr>
         </p:nvSpPr>
-        <p:spPr/>
+        <p:spPr>
+          <a:xfrm>
+            <a:off x="0" y="0"/>
+            <a:ext cx="7055380" cy="1400530"/>
+          </a:xfrm>
+        </p:spPr>
         <p:txBody>
           <a:bodyPr/>
           <a:lstStyle/>
           <a:p>
             <a:r>
-              <a:rPr dirty="0">
-                <a:latin typeface="Algerian" panose="04020705040A02060702" pitchFamily="82" charset="0"/>
-              </a:rPr>
-              <a:t>Results and Findings</a:t>
+              <a:rPr sz="3200" dirty="0"/>
+              <a:t>Power BI Dashboard Insights</a:t>
             </a:r>
           </a:p>
         </p:txBody>
@@ -7620,47 +7626,50 @@
             <p:ph idx="1"/>
           </p:nvPr>
         </p:nvSpPr>
-        <p:spPr/>
-        <p:txBody>
-          <a:bodyPr>
-            <a:normAutofit/>
-          </a:bodyPr>
+        <p:spPr>
+          <a:xfrm>
+            <a:off x="0" y="1082966"/>
+            <a:ext cx="9144000" cy="4195481"/>
+          </a:xfrm>
+        </p:spPr>
+        <p:txBody>
+          <a:bodyPr/>
           <a:lstStyle/>
           <a:p>
             <a:r>
-              <a:t>Sales Insights Dashboard:</a:t>
-            </a:r>
-          </a:p>
-          <a:p>
-            <a:r>
-              <a:t>- Key performance indicators (KPIs): Revenue, sales quantity, profit margin, and profit margin%</a:t>
-            </a:r>
-          </a:p>
-          <a:p>
-            <a:r>
-              <a:t>- Visualizations: Bar graphs and line charts</a:t>
-            </a:r>
-          </a:p>
-          <a:p>
-            <a:r>
-              <a:t>- Interactivity: Selection of parameters like year and market</a:t>
-            </a:r>
-          </a:p>
-          <a:p>
-            <a:r>
-              <a:t>- Filtering options</a:t>
-            </a:r>
-          </a:p>
-          <a:p>
-            <a:r>
-              <a:t>- Zone-wise and market-wise analysis</a:t>
-            </a:r>
-          </a:p>
-          <a:p>
-            <a:endParaRPr/>
-          </a:p>
-        </p:txBody>
-      </p:sp>
+              <a:rPr lang="en-GB" dirty="0"/>
+              <a:t>Dashboard visualizes the overall sales performance with key metrics like total revenue and sales quantity. It highlights regional performance with Delhi leading in both revenue and sales quantity.</a:t>
+            </a:r>
+          </a:p>
+          <a:p>
+            <a:endParaRPr dirty="0"/>
+          </a:p>
+        </p:txBody>
+      </p:sp>
+      <p:pic>
+        <p:nvPicPr>
+          <p:cNvPr id="4" name="Picture 3" descr="Screenshot 2024-08-11 140817.png"/>
+          <p:cNvPicPr>
+            <a:picLocks noChangeAspect="1"/>
+          </p:cNvPicPr>
+          <p:nvPr/>
+        </p:nvPicPr>
+        <p:blipFill>
+          <a:blip r:embed="rId2"/>
+          <a:stretch>
+            <a:fillRect/>
+          </a:stretch>
+        </p:blipFill>
+        <p:spPr>
+          <a:xfrm>
+            <a:off x="0" y="2144110"/>
+            <a:ext cx="9143999" cy="4713890"/>
+          </a:xfrm>
+          <a:prstGeom prst="rect">
+            <a:avLst/>
+          </a:prstGeom>
+        </p:spPr>
+      </p:pic>
     </p:spTree>
   </p:cSld>
   <p:clrMapOvr>
@@ -7696,56 +7705,541 @@
             <p:ph type="title"/>
           </p:nvPr>
         </p:nvSpPr>
-        <p:spPr/>
+        <p:spPr>
+          <a:xfrm>
+            <a:off x="0" y="231"/>
+            <a:ext cx="7055380" cy="1400530"/>
+          </a:xfrm>
+        </p:spPr>
         <p:txBody>
           <a:bodyPr/>
           <a:lstStyle/>
           <a:p>
             <a:r>
-              <a:rPr dirty="0">
-                <a:latin typeface="Algerian" panose="04020705040A02060702" pitchFamily="82" charset="0"/>
+              <a:rPr sz="3600" dirty="0"/>
+              <a:t>Market-Wise Contribution Analysis</a:t>
+            </a:r>
+          </a:p>
+        </p:txBody>
+      </p:sp>
+      <p:pic>
+        <p:nvPicPr>
+          <p:cNvPr id="3" name="Picture 2" descr="Screenshot 2024-08-11 154617.png"/>
+          <p:cNvPicPr>
+            <a:picLocks noChangeAspect="1"/>
+          </p:cNvPicPr>
+          <p:nvPr/>
+        </p:nvPicPr>
+        <p:blipFill>
+          <a:blip r:embed="rId2"/>
+          <a:stretch>
+            <a:fillRect/>
+          </a:stretch>
+        </p:blipFill>
+        <p:spPr>
+          <a:xfrm>
+            <a:off x="5503577" y="1458601"/>
+            <a:ext cx="6653611" cy="4114800"/>
+          </a:xfrm>
+          <a:prstGeom prst="rect">
+            <a:avLst/>
+          </a:prstGeom>
+        </p:spPr>
+      </p:pic>
+      <p:sp>
+        <p:nvSpPr>
+          <p:cNvPr id="4" name="TextBox 3"/>
+          <p:cNvSpPr txBox="1"/>
+          <p:nvPr/>
+        </p:nvSpPr>
+        <p:spPr>
+          <a:xfrm>
+            <a:off x="150830" y="1005057"/>
+            <a:ext cx="5352747" cy="5021888"/>
+          </a:xfrm>
+          <a:prstGeom prst="rect">
+            <a:avLst/>
+          </a:prstGeom>
+          <a:noFill/>
+        </p:spPr>
+        <p:txBody>
+          <a:bodyPr wrap="none">
+            <a:spAutoFit/>
+          </a:bodyPr>
+          <a:lstStyle/>
+          <a:p>
+            <a:pPr defTabSz="457207">
+              <a:spcBef>
+                <a:spcPts val="1000"/>
+              </a:spcBef>
+              <a:buClr>
+                <a:schemeClr val="bg2">
+                  <a:lumMod val="40000"/>
+                  <a:lumOff val="60000"/>
+                </a:schemeClr>
+              </a:buClr>
+              <a:buSzPct val="80000"/>
+            </a:pPr>
+            <a:r>
+              <a:rPr lang="en-US" sz="1200" dirty="0">
+                <a:latin typeface="+mj-lt"/>
+                <a:ea typeface="+mj-ea"/>
+                <a:cs typeface="+mj-cs"/>
               </a:rPr>
-              <a:t>Sales Analysis Observations</a:t>
-            </a:r>
-          </a:p>
-        </p:txBody>
-      </p:sp>
-      <p:sp>
-        <p:nvSpPr>
-          <p:cNvPr id="3" name="Content Placeholder 2"/>
-          <p:cNvSpPr>
-            <a:spLocks noGrp="1"/>
-          </p:cNvSpPr>
-          <p:nvPr>
-            <p:ph idx="1"/>
-          </p:nvPr>
-        </p:nvSpPr>
-        <p:spPr/>
-        <p:txBody>
-          <a:bodyPr/>
-          <a:lstStyle/>
-          <a:p>
-            <a:r>
-              <a:t>- Overview: Key insights on regional performance and profitability</a:t>
-            </a:r>
-          </a:p>
-          <a:p>
-            <a:r>
-              <a:t>Observations:</a:t>
-            </a:r>
-          </a:p>
-          <a:p>
-            <a:r>
-              <a:t>- Revenue vs. Profit Margin%: Delhi leads in revenue; Bhubaneswar in profit margin percentage</a:t>
-            </a:r>
-          </a:p>
-          <a:p>
-            <a:r>
-              <a:t>- Profit Margin Contribution: Mumbai as top contributor</a:t>
-            </a:r>
-          </a:p>
-          <a:p>
-            <a:endParaRPr/>
+              <a:t>-</a:t>
+            </a:r>
+            <a:r>
+              <a:rPr sz="1200" b="1" dirty="0">
+                <a:latin typeface="+mj-lt"/>
+                <a:ea typeface="+mj-ea"/>
+                <a:cs typeface="+mj-cs"/>
+              </a:rPr>
+              <a:t>This Power BI dashboard provides an in-depth analysis of the</a:t>
+            </a:r>
+            <a:endParaRPr lang="en-US" sz="1200" b="1" dirty="0">
+              <a:latin typeface="+mj-lt"/>
+              <a:ea typeface="+mj-ea"/>
+              <a:cs typeface="+mj-cs"/>
+            </a:endParaRPr>
+          </a:p>
+          <a:p>
+            <a:pPr defTabSz="457207">
+              <a:spcBef>
+                <a:spcPts val="1000"/>
+              </a:spcBef>
+              <a:buClr>
+                <a:schemeClr val="bg2">
+                  <a:lumMod val="40000"/>
+                  <a:lumOff val="60000"/>
+                </a:schemeClr>
+              </a:buClr>
+              <a:buSzPct val="80000"/>
+            </a:pPr>
+            <a:r>
+              <a:rPr lang="en-US" sz="1200" b="1" dirty="0">
+                <a:latin typeface="+mj-lt"/>
+                <a:ea typeface="+mj-ea"/>
+                <a:cs typeface="+mj-cs"/>
+              </a:rPr>
+              <a:t> </a:t>
+            </a:r>
+            <a:r>
+              <a:rPr sz="1200" b="1" dirty="0">
+                <a:latin typeface="+mj-lt"/>
+                <a:ea typeface="+mj-ea"/>
+                <a:cs typeface="+mj-cs"/>
+              </a:rPr>
+              <a:t> market-wise revenue and profit contributions. Key metrics include:</a:t>
+            </a:r>
+            <a:br>
+              <a:rPr sz="1200" dirty="0">
+                <a:latin typeface="+mj-lt"/>
+                <a:ea typeface="+mj-ea"/>
+                <a:cs typeface="+mj-cs"/>
+              </a:rPr>
+            </a:br>
+            <a:endParaRPr lang="en-US" sz="1200" dirty="0">
+              <a:latin typeface="+mj-lt"/>
+              <a:ea typeface="+mj-ea"/>
+              <a:cs typeface="+mj-cs"/>
+            </a:endParaRPr>
+          </a:p>
+          <a:p>
+            <a:pPr defTabSz="457207">
+              <a:spcBef>
+                <a:spcPts val="1000"/>
+              </a:spcBef>
+              <a:buClr>
+                <a:schemeClr val="bg2">
+                  <a:lumMod val="40000"/>
+                  <a:lumOff val="60000"/>
+                </a:schemeClr>
+              </a:buClr>
+              <a:buSzPct val="80000"/>
+            </a:pPr>
+            <a:r>
+              <a:rPr sz="1200" dirty="0">
+                <a:latin typeface="+mj-lt"/>
+                <a:ea typeface="+mj-ea"/>
+                <a:cs typeface="+mj-cs"/>
+              </a:rPr>
+              <a:t>- Revenue Contribution % by Market: Delhi leads with 52.8%, followed </a:t>
+            </a:r>
+            <a:endParaRPr lang="en-US" sz="1200" dirty="0">
+              <a:latin typeface="+mj-lt"/>
+              <a:ea typeface="+mj-ea"/>
+              <a:cs typeface="+mj-cs"/>
+            </a:endParaRPr>
+          </a:p>
+          <a:p>
+            <a:pPr defTabSz="457207">
+              <a:spcBef>
+                <a:spcPts val="1000"/>
+              </a:spcBef>
+              <a:buClr>
+                <a:schemeClr val="bg2">
+                  <a:lumMod val="40000"/>
+                  <a:lumOff val="60000"/>
+                </a:schemeClr>
+              </a:buClr>
+              <a:buSzPct val="80000"/>
+            </a:pPr>
+            <a:r>
+              <a:rPr lang="en-US" sz="1200" dirty="0">
+                <a:latin typeface="+mj-lt"/>
+                <a:ea typeface="+mj-ea"/>
+                <a:cs typeface="+mj-cs"/>
+              </a:rPr>
+              <a:t>           </a:t>
+            </a:r>
+            <a:r>
+              <a:rPr sz="1200" dirty="0">
+                <a:latin typeface="+mj-lt"/>
+                <a:ea typeface="+mj-ea"/>
+                <a:cs typeface="+mj-cs"/>
+              </a:rPr>
+              <a:t>by Mumbai and Ahmedabad.</a:t>
+            </a:r>
+            <a:endParaRPr lang="en-US" sz="1200" dirty="0">
+              <a:latin typeface="+mj-lt"/>
+              <a:ea typeface="+mj-ea"/>
+              <a:cs typeface="+mj-cs"/>
+            </a:endParaRPr>
+          </a:p>
+          <a:p>
+            <a:pPr defTabSz="457207">
+              <a:spcBef>
+                <a:spcPts val="1000"/>
+              </a:spcBef>
+              <a:buClr>
+                <a:schemeClr val="bg2">
+                  <a:lumMod val="40000"/>
+                  <a:lumOff val="60000"/>
+                </a:schemeClr>
+              </a:buClr>
+              <a:buSzPct val="80000"/>
+            </a:pPr>
+            <a:r>
+              <a:rPr lang="en-US" sz="1200" dirty="0">
+                <a:latin typeface="+mj-lt"/>
+                <a:ea typeface="+mj-ea"/>
+                <a:cs typeface="+mj-cs"/>
+              </a:rPr>
+              <a:t> </a:t>
+            </a:r>
+            <a:r>
+              <a:rPr sz="1200" dirty="0">
+                <a:latin typeface="+mj-lt"/>
+                <a:ea typeface="+mj-ea"/>
+                <a:cs typeface="+mj-cs"/>
+              </a:rPr>
+              <a:t>- Profit Contribution % by Market: Delhi again leads with 48.5%, with</a:t>
+            </a:r>
+            <a:endParaRPr lang="en-US" sz="1200" dirty="0">
+              <a:latin typeface="+mj-lt"/>
+              <a:ea typeface="+mj-ea"/>
+              <a:cs typeface="+mj-cs"/>
+            </a:endParaRPr>
+          </a:p>
+          <a:p>
+            <a:pPr defTabSz="457207">
+              <a:spcBef>
+                <a:spcPts val="1000"/>
+              </a:spcBef>
+              <a:buClr>
+                <a:schemeClr val="bg2">
+                  <a:lumMod val="40000"/>
+                  <a:lumOff val="60000"/>
+                </a:schemeClr>
+              </a:buClr>
+              <a:buSzPct val="80000"/>
+            </a:pPr>
+            <a:r>
+              <a:rPr lang="en-US" sz="1200" dirty="0">
+                <a:latin typeface="+mj-lt"/>
+                <a:ea typeface="+mj-ea"/>
+                <a:cs typeface="+mj-cs"/>
+              </a:rPr>
+              <a:t>           </a:t>
+            </a:r>
+            <a:r>
+              <a:rPr sz="1200" dirty="0">
+                <a:latin typeface="+mj-lt"/>
+                <a:ea typeface="+mj-ea"/>
+                <a:cs typeface="+mj-cs"/>
+              </a:rPr>
+              <a:t> Mumbai and Ahmedabad contributing significantly.</a:t>
+            </a:r>
+            <a:endParaRPr lang="en-US" sz="1200" dirty="0">
+              <a:latin typeface="+mj-lt"/>
+              <a:ea typeface="+mj-ea"/>
+              <a:cs typeface="+mj-cs"/>
+            </a:endParaRPr>
+          </a:p>
+          <a:p>
+            <a:pPr defTabSz="457207">
+              <a:spcBef>
+                <a:spcPts val="1000"/>
+              </a:spcBef>
+              <a:buClr>
+                <a:schemeClr val="bg2">
+                  <a:lumMod val="40000"/>
+                  <a:lumOff val="60000"/>
+                </a:schemeClr>
+              </a:buClr>
+              <a:buSzPct val="80000"/>
+            </a:pPr>
+            <a:r>
+              <a:rPr sz="1200" dirty="0">
+                <a:latin typeface="+mj-lt"/>
+                <a:ea typeface="+mj-ea"/>
+                <a:cs typeface="+mj-cs"/>
+              </a:rPr>
+              <a:t>- Profit % by Market: Shows varied performance across markets, with </a:t>
+            </a:r>
+            <a:endParaRPr lang="en-US" sz="1200" dirty="0">
+              <a:latin typeface="+mj-lt"/>
+              <a:ea typeface="+mj-ea"/>
+              <a:cs typeface="+mj-cs"/>
+            </a:endParaRPr>
+          </a:p>
+          <a:p>
+            <a:pPr defTabSz="457207">
+              <a:spcBef>
+                <a:spcPts val="1000"/>
+              </a:spcBef>
+              <a:buClr>
+                <a:schemeClr val="bg2">
+                  <a:lumMod val="40000"/>
+                  <a:lumOff val="60000"/>
+                </a:schemeClr>
+              </a:buClr>
+              <a:buSzPct val="80000"/>
+            </a:pPr>
+            <a:r>
+              <a:rPr lang="en-US" sz="1200" dirty="0">
+                <a:latin typeface="+mj-lt"/>
+                <a:ea typeface="+mj-ea"/>
+                <a:cs typeface="+mj-cs"/>
+              </a:rPr>
+              <a:t>      </a:t>
+            </a:r>
+            <a:r>
+              <a:rPr sz="1200" dirty="0">
+                <a:latin typeface="+mj-lt"/>
+                <a:ea typeface="+mj-ea"/>
+                <a:cs typeface="+mj-cs"/>
+              </a:rPr>
+              <a:t>some markets like Bengal having negative profit margins.</a:t>
+            </a:r>
+            <a:endParaRPr lang="en-US" sz="1200" dirty="0">
+              <a:latin typeface="+mj-lt"/>
+              <a:ea typeface="+mj-ea"/>
+              <a:cs typeface="+mj-cs"/>
+            </a:endParaRPr>
+          </a:p>
+          <a:p>
+            <a:pPr defTabSz="457207">
+              <a:spcBef>
+                <a:spcPts val="1000"/>
+              </a:spcBef>
+              <a:buClr>
+                <a:schemeClr val="bg2">
+                  <a:lumMod val="40000"/>
+                  <a:lumOff val="60000"/>
+                </a:schemeClr>
+              </a:buClr>
+              <a:buSzPct val="80000"/>
+            </a:pPr>
+            <a:r>
+              <a:rPr sz="1200" dirty="0">
+                <a:latin typeface="+mj-lt"/>
+                <a:ea typeface="+mj-ea"/>
+                <a:cs typeface="+mj-cs"/>
+              </a:rPr>
+              <a:t>- Revenue Trend: A line chart showing revenue trends over time, </a:t>
+            </a:r>
+            <a:endParaRPr lang="en-US" sz="1200" dirty="0">
+              <a:latin typeface="+mj-lt"/>
+              <a:ea typeface="+mj-ea"/>
+              <a:cs typeface="+mj-cs"/>
+            </a:endParaRPr>
+          </a:p>
+          <a:p>
+            <a:pPr defTabSz="457207">
+              <a:spcBef>
+                <a:spcPts val="1000"/>
+              </a:spcBef>
+              <a:buClr>
+                <a:schemeClr val="bg2">
+                  <a:lumMod val="40000"/>
+                  <a:lumOff val="60000"/>
+                </a:schemeClr>
+              </a:buClr>
+              <a:buSzPct val="80000"/>
+            </a:pPr>
+            <a:r>
+              <a:rPr lang="en-US" sz="1200" dirty="0">
+                <a:latin typeface="+mj-lt"/>
+                <a:ea typeface="+mj-ea"/>
+                <a:cs typeface="+mj-cs"/>
+              </a:rPr>
+              <a:t>       </a:t>
+            </a:r>
+            <a:r>
+              <a:rPr sz="1200" dirty="0">
+                <a:latin typeface="+mj-lt"/>
+                <a:ea typeface="+mj-ea"/>
+                <a:cs typeface="+mj-cs"/>
+              </a:rPr>
+              <a:t>highlighting peak and low periods.</a:t>
+            </a:r>
+            <a:endParaRPr lang="en-US" sz="1200" dirty="0">
+              <a:latin typeface="+mj-lt"/>
+              <a:ea typeface="+mj-ea"/>
+              <a:cs typeface="+mj-cs"/>
+            </a:endParaRPr>
+          </a:p>
+          <a:p>
+            <a:pPr defTabSz="457207">
+              <a:spcBef>
+                <a:spcPts val="1000"/>
+              </a:spcBef>
+              <a:buClr>
+                <a:schemeClr val="bg2">
+                  <a:lumMod val="40000"/>
+                  <a:lumOff val="60000"/>
+                </a:schemeClr>
+              </a:buClr>
+              <a:buSzPct val="80000"/>
+            </a:pPr>
+            <a:r>
+              <a:rPr sz="1200" dirty="0">
+                <a:latin typeface="+mj-lt"/>
+                <a:ea typeface="+mj-ea"/>
+                <a:cs typeface="+mj-cs"/>
+              </a:rPr>
+              <a:t>- Top Customers: A table listing key customers and their respective </a:t>
+            </a:r>
+            <a:endParaRPr lang="en-US" sz="1200" dirty="0">
+              <a:latin typeface="+mj-lt"/>
+              <a:ea typeface="+mj-ea"/>
+              <a:cs typeface="+mj-cs"/>
+            </a:endParaRPr>
+          </a:p>
+          <a:p>
+            <a:pPr defTabSz="457207">
+              <a:spcBef>
+                <a:spcPts val="1000"/>
+              </a:spcBef>
+              <a:buClr>
+                <a:schemeClr val="bg2">
+                  <a:lumMod val="40000"/>
+                  <a:lumOff val="60000"/>
+                </a:schemeClr>
+              </a:buClr>
+              <a:buSzPct val="80000"/>
+            </a:pPr>
+            <a:r>
+              <a:rPr lang="en-IN" sz="1200" dirty="0">
+                <a:latin typeface="+mj-lt"/>
+                <a:ea typeface="+mj-ea"/>
+                <a:cs typeface="+mj-cs"/>
+              </a:rPr>
+              <a:t>    R</a:t>
+            </a:r>
+            <a:r>
+              <a:rPr sz="1200" dirty="0" err="1">
+                <a:latin typeface="+mj-lt"/>
+                <a:ea typeface="+mj-ea"/>
+                <a:cs typeface="+mj-cs"/>
+              </a:rPr>
+              <a:t>evenue</a:t>
+            </a:r>
+            <a:r>
+              <a:rPr sz="1200" dirty="0">
+                <a:latin typeface="+mj-lt"/>
+                <a:ea typeface="+mj-ea"/>
+                <a:cs typeface="+mj-cs"/>
+              </a:rPr>
+              <a:t>, revenue contribution, and profit margin contributions</a:t>
+            </a:r>
+            <a:r>
+              <a:rPr sz="2000" dirty="0">
+                <a:latin typeface="+mj-lt"/>
+                <a:ea typeface="+mj-ea"/>
+                <a:cs typeface="+mj-cs"/>
+              </a:rPr>
+              <a:t>.</a:t>
+            </a:r>
+            <a:endParaRPr lang="en-US" sz="2000" dirty="0">
+              <a:latin typeface="+mj-lt"/>
+              <a:ea typeface="+mj-ea"/>
+              <a:cs typeface="+mj-cs"/>
+            </a:endParaRPr>
+          </a:p>
+          <a:p>
+            <a:pPr defTabSz="457207">
+              <a:spcBef>
+                <a:spcPts val="1000"/>
+              </a:spcBef>
+              <a:buClr>
+                <a:schemeClr val="bg2">
+                  <a:lumMod val="40000"/>
+                  <a:lumOff val="60000"/>
+                </a:schemeClr>
+              </a:buClr>
+              <a:buSzPct val="80000"/>
+            </a:pPr>
+            <a:br>
+              <a:rPr sz="1200" dirty="0">
+                <a:latin typeface="+mj-lt"/>
+                <a:ea typeface="+mj-ea"/>
+                <a:cs typeface="+mj-cs"/>
+              </a:rPr>
+            </a:br>
+            <a:br>
+              <a:rPr sz="1200" dirty="0">
+                <a:latin typeface="+mj-lt"/>
+                <a:ea typeface="+mj-ea"/>
+                <a:cs typeface="+mj-cs"/>
+              </a:rPr>
+            </a:br>
+            <a:r>
+              <a:rPr sz="1200" dirty="0">
+                <a:latin typeface="+mj-lt"/>
+                <a:ea typeface="+mj-ea"/>
+                <a:cs typeface="+mj-cs"/>
+              </a:rPr>
+              <a:t>This analysis helps identify high-performing regions and customers, </a:t>
+            </a:r>
+            <a:endParaRPr lang="en-US" sz="1200" dirty="0">
+              <a:latin typeface="+mj-lt"/>
+              <a:ea typeface="+mj-ea"/>
+              <a:cs typeface="+mj-cs"/>
+            </a:endParaRPr>
+          </a:p>
+          <a:p>
+            <a:pPr defTabSz="457207">
+              <a:spcBef>
+                <a:spcPts val="1000"/>
+              </a:spcBef>
+              <a:buClr>
+                <a:schemeClr val="bg2">
+                  <a:lumMod val="40000"/>
+                  <a:lumOff val="60000"/>
+                </a:schemeClr>
+              </a:buClr>
+              <a:buSzPct val="80000"/>
+            </a:pPr>
+            <a:r>
+              <a:rPr sz="1200" dirty="0">
+                <a:latin typeface="+mj-lt"/>
+                <a:ea typeface="+mj-ea"/>
+                <a:cs typeface="+mj-cs"/>
+              </a:rPr>
+              <a:t>providing insights for strategic decision-making.</a:t>
+            </a:r>
           </a:p>
         </p:txBody>
       </p:sp>
@@ -7784,16 +8278,19 @@
             <p:ph type="title"/>
           </p:nvPr>
         </p:nvSpPr>
-        <p:spPr/>
+        <p:spPr>
+          <a:xfrm>
+            <a:off x="0" y="11284"/>
+            <a:ext cx="7055380" cy="1400530"/>
+          </a:xfrm>
+        </p:spPr>
         <p:txBody>
           <a:bodyPr/>
           <a:lstStyle/>
           <a:p>
             <a:r>
-              <a:rPr dirty="0">
-                <a:latin typeface="Algerian" panose="04020705040A02060702" pitchFamily="82" charset="0"/>
-              </a:rPr>
-              <a:t>Conclusion and Implications</a:t>
+              <a:rPr sz="3600" dirty="0"/>
+              <a:t>Market-Wise Contribution Analysis</a:t>
             </a:r>
           </a:p>
         </p:txBody>
@@ -7808,49 +8305,50 @@
             <p:ph idx="1"/>
           </p:nvPr>
         </p:nvSpPr>
-        <p:spPr/>
+        <p:spPr>
+          <a:xfrm>
+            <a:off x="91975" y="1191076"/>
+            <a:ext cx="8967941" cy="1657227"/>
+          </a:xfrm>
+        </p:spPr>
         <p:txBody>
           <a:bodyPr/>
           <a:lstStyle/>
           <a:p>
             <a:r>
-              <a:rPr dirty="0"/>
-              <a:t>- Strategic Marketing Investments: Focus on high-profit margin regions like Bhubaneswar</a:t>
-            </a:r>
-          </a:p>
-          <a:p>
-            <a:r>
-              <a:rPr dirty="0"/>
-              <a:t>- Strategy Replication: Implement successful strategies from Mumbai in other regions</a:t>
-            </a:r>
-          </a:p>
-          <a:p>
-            <a:endParaRPr lang="en-US" dirty="0"/>
-          </a:p>
-          <a:p>
-            <a:endParaRPr lang="en-IN" dirty="0"/>
-          </a:p>
-          <a:p>
-            <a:endParaRPr lang="en-IN" dirty="0"/>
-          </a:p>
-          <a:p>
-            <a:endParaRPr lang="en-IN" dirty="0"/>
-          </a:p>
-          <a:p>
-            <a:endParaRPr lang="en-IN" dirty="0"/>
-          </a:p>
-          <a:p>
-            <a:pPr marL="0" indent="0">
-              <a:buNone/>
-            </a:pPr>
-            <a:r>
-              <a:rPr lang="en-IN" dirty="0"/>
-              <a:t>                              </a:t>
-            </a:r>
+              <a:rPr lang="en-GB" dirty="0"/>
+              <a:t>This dashboard focuses on the revenue contribution percentage by market, highlighting top markets like Surat and Patna with significant contributions. However, it also shows regions like Bengaluru with negative contribution.</a:t>
+            </a:r>
+          </a:p>
+          <a:p>
             <a:endParaRPr dirty="0"/>
           </a:p>
         </p:txBody>
       </p:sp>
+      <p:pic>
+        <p:nvPicPr>
+          <p:cNvPr id="4" name="Picture 3" descr="Screenshot 2024-08-11 154719.png"/>
+          <p:cNvPicPr>
+            <a:picLocks noChangeAspect="1"/>
+          </p:cNvPicPr>
+          <p:nvPr/>
+        </p:nvPicPr>
+        <p:blipFill>
+          <a:blip r:embed="rId2"/>
+          <a:stretch>
+            <a:fillRect/>
+          </a:stretch>
+        </p:blipFill>
+        <p:spPr>
+          <a:xfrm>
+            <a:off x="0" y="2511972"/>
+            <a:ext cx="9144000" cy="4346028"/>
+          </a:xfrm>
+          <a:prstGeom prst="rect">
+            <a:avLst/>
+          </a:prstGeom>
+        </p:spPr>
+      </p:pic>
     </p:spTree>
   </p:cSld>
   <p:clrMapOvr>
@@ -7963,6 +8461,306 @@
           </a:p>
           <a:p>
             <a:endParaRPr/>
+          </a:p>
+        </p:txBody>
+      </p:sp>
+    </p:spTree>
+  </p:cSld>
+  <p:clrMapOvr>
+    <a:masterClrMapping/>
+  </p:clrMapOvr>
+</p:sld>
+</file>
+
+<file path=ppt/slides/slide20.xml><?xml version="1.0" encoding="utf-8"?>
+<p:sld xmlns:a="http://schemas.openxmlformats.org/drawingml/2006/main" xmlns:r="http://schemas.openxmlformats.org/officeDocument/2006/relationships" xmlns:p="http://schemas.openxmlformats.org/presentationml/2006/main">
+  <p:cSld>
+    <p:spTree>
+      <p:nvGrpSpPr>
+        <p:cNvPr id="1" name=""/>
+        <p:cNvGrpSpPr/>
+        <p:nvPr/>
+      </p:nvGrpSpPr>
+      <p:grpSpPr>
+        <a:xfrm>
+          <a:off x="0" y="0"/>
+          <a:ext cx="0" cy="0"/>
+          <a:chOff x="0" y="0"/>
+          <a:chExt cx="0" cy="0"/>
+        </a:xfrm>
+      </p:grpSpPr>
+      <p:sp>
+        <p:nvSpPr>
+          <p:cNvPr id="2" name="Title 1"/>
+          <p:cNvSpPr>
+            <a:spLocks noGrp="1"/>
+          </p:cNvSpPr>
+          <p:nvPr>
+            <p:ph type="title"/>
+          </p:nvPr>
+        </p:nvSpPr>
+        <p:spPr/>
+        <p:txBody>
+          <a:bodyPr/>
+          <a:lstStyle/>
+          <a:p>
+            <a:r>
+              <a:rPr dirty="0">
+                <a:latin typeface="Algerian" panose="04020705040A02060702" pitchFamily="82" charset="0"/>
+              </a:rPr>
+              <a:t>Results and Findings</a:t>
+            </a:r>
+          </a:p>
+        </p:txBody>
+      </p:sp>
+      <p:sp>
+        <p:nvSpPr>
+          <p:cNvPr id="3" name="Content Placeholder 2"/>
+          <p:cNvSpPr>
+            <a:spLocks noGrp="1"/>
+          </p:cNvSpPr>
+          <p:nvPr>
+            <p:ph idx="1"/>
+          </p:nvPr>
+        </p:nvSpPr>
+        <p:spPr/>
+        <p:txBody>
+          <a:bodyPr>
+            <a:normAutofit/>
+          </a:bodyPr>
+          <a:lstStyle/>
+          <a:p>
+            <a:r>
+              <a:rPr dirty="0"/>
+              <a:t>Sales Insights Dashboard:</a:t>
+            </a:r>
+          </a:p>
+          <a:p>
+            <a:r>
+              <a:rPr dirty="0"/>
+              <a:t>- Key performance indicators (KPIs): Revenue, sales quantity, profit margin, and profit margin%</a:t>
+            </a:r>
+          </a:p>
+          <a:p>
+            <a:r>
+              <a:rPr dirty="0"/>
+              <a:t>- Visualizations: Bar graphs and line charts</a:t>
+            </a:r>
+          </a:p>
+          <a:p>
+            <a:r>
+              <a:rPr dirty="0"/>
+              <a:t>- Interactivity: Selection of parameters like year and market</a:t>
+            </a:r>
+          </a:p>
+          <a:p>
+            <a:r>
+              <a:rPr dirty="0"/>
+              <a:t>- Filtering options</a:t>
+            </a:r>
+          </a:p>
+          <a:p>
+            <a:r>
+              <a:rPr dirty="0"/>
+              <a:t>- Zone-wise and market-wise analysis</a:t>
+            </a:r>
+          </a:p>
+          <a:p>
+            <a:endParaRPr dirty="0"/>
+          </a:p>
+        </p:txBody>
+      </p:sp>
+    </p:spTree>
+  </p:cSld>
+  <p:clrMapOvr>
+    <a:masterClrMapping/>
+  </p:clrMapOvr>
+</p:sld>
+</file>
+
+<file path=ppt/slides/slide21.xml><?xml version="1.0" encoding="utf-8"?>
+<p:sld xmlns:a="http://schemas.openxmlformats.org/drawingml/2006/main" xmlns:r="http://schemas.openxmlformats.org/officeDocument/2006/relationships" xmlns:p="http://schemas.openxmlformats.org/presentationml/2006/main">
+  <p:cSld>
+    <p:spTree>
+      <p:nvGrpSpPr>
+        <p:cNvPr id="1" name=""/>
+        <p:cNvGrpSpPr/>
+        <p:nvPr/>
+      </p:nvGrpSpPr>
+      <p:grpSpPr>
+        <a:xfrm>
+          <a:off x="0" y="0"/>
+          <a:ext cx="0" cy="0"/>
+          <a:chOff x="0" y="0"/>
+          <a:chExt cx="0" cy="0"/>
+        </a:xfrm>
+      </p:grpSpPr>
+      <p:sp>
+        <p:nvSpPr>
+          <p:cNvPr id="2" name="Title 1"/>
+          <p:cNvSpPr>
+            <a:spLocks noGrp="1"/>
+          </p:cNvSpPr>
+          <p:nvPr>
+            <p:ph type="title"/>
+          </p:nvPr>
+        </p:nvSpPr>
+        <p:spPr/>
+        <p:txBody>
+          <a:bodyPr/>
+          <a:lstStyle/>
+          <a:p>
+            <a:r>
+              <a:rPr dirty="0">
+                <a:latin typeface="Algerian" panose="04020705040A02060702" pitchFamily="82" charset="0"/>
+              </a:rPr>
+              <a:t>Sales Analysis Observations</a:t>
+            </a:r>
+          </a:p>
+        </p:txBody>
+      </p:sp>
+      <p:sp>
+        <p:nvSpPr>
+          <p:cNvPr id="3" name="Content Placeholder 2"/>
+          <p:cNvSpPr>
+            <a:spLocks noGrp="1"/>
+          </p:cNvSpPr>
+          <p:nvPr>
+            <p:ph idx="1"/>
+          </p:nvPr>
+        </p:nvSpPr>
+        <p:spPr/>
+        <p:txBody>
+          <a:bodyPr/>
+          <a:lstStyle/>
+          <a:p>
+            <a:r>
+              <a:rPr dirty="0"/>
+              <a:t>- Overview: Key insights on regional performance and profitability</a:t>
+            </a:r>
+          </a:p>
+          <a:p>
+            <a:r>
+              <a:rPr dirty="0"/>
+              <a:t>Observations:</a:t>
+            </a:r>
+          </a:p>
+          <a:p>
+            <a:r>
+              <a:rPr dirty="0"/>
+              <a:t>- Revenue vs. Profit Margin%: Delhi leads in revenue; Bhubaneswar in profit margin percentage</a:t>
+            </a:r>
+          </a:p>
+          <a:p>
+            <a:r>
+              <a:rPr dirty="0"/>
+              <a:t>- Profit Margin Contribution: Mumbai as top contributor</a:t>
+            </a:r>
+          </a:p>
+          <a:p>
+            <a:endParaRPr dirty="0"/>
+          </a:p>
+        </p:txBody>
+      </p:sp>
+    </p:spTree>
+  </p:cSld>
+  <p:clrMapOvr>
+    <a:masterClrMapping/>
+  </p:clrMapOvr>
+</p:sld>
+</file>
+
+<file path=ppt/slides/slide22.xml><?xml version="1.0" encoding="utf-8"?>
+<p:sld xmlns:a="http://schemas.openxmlformats.org/drawingml/2006/main" xmlns:r="http://schemas.openxmlformats.org/officeDocument/2006/relationships" xmlns:p="http://schemas.openxmlformats.org/presentationml/2006/main">
+  <p:cSld>
+    <p:spTree>
+      <p:nvGrpSpPr>
+        <p:cNvPr id="1" name=""/>
+        <p:cNvGrpSpPr/>
+        <p:nvPr/>
+      </p:nvGrpSpPr>
+      <p:grpSpPr>
+        <a:xfrm>
+          <a:off x="0" y="0"/>
+          <a:ext cx="0" cy="0"/>
+          <a:chOff x="0" y="0"/>
+          <a:chExt cx="0" cy="0"/>
+        </a:xfrm>
+      </p:grpSpPr>
+      <p:sp>
+        <p:nvSpPr>
+          <p:cNvPr id="2" name="Title 1"/>
+          <p:cNvSpPr>
+            <a:spLocks noGrp="1"/>
+          </p:cNvSpPr>
+          <p:nvPr>
+            <p:ph type="title"/>
+          </p:nvPr>
+        </p:nvSpPr>
+        <p:spPr/>
+        <p:txBody>
+          <a:bodyPr/>
+          <a:lstStyle/>
+          <a:p>
+            <a:r>
+              <a:rPr dirty="0">
+                <a:latin typeface="Algerian" panose="04020705040A02060702" pitchFamily="82" charset="0"/>
+              </a:rPr>
+              <a:t>Conclusion and Implications</a:t>
+            </a:r>
+          </a:p>
+        </p:txBody>
+      </p:sp>
+      <p:sp>
+        <p:nvSpPr>
+          <p:cNvPr id="3" name="Content Placeholder 2"/>
+          <p:cNvSpPr>
+            <a:spLocks noGrp="1"/>
+          </p:cNvSpPr>
+          <p:nvPr>
+            <p:ph idx="1"/>
+          </p:nvPr>
+        </p:nvSpPr>
+        <p:spPr/>
+        <p:txBody>
+          <a:bodyPr/>
+          <a:lstStyle/>
+          <a:p>
+            <a:r>
+              <a:rPr dirty="0"/>
+              <a:t>- Strategic Marketing Investments: Focus on high-profit margin regions like Bhubaneswar</a:t>
+            </a:r>
+          </a:p>
+          <a:p>
+            <a:r>
+              <a:rPr dirty="0"/>
+              <a:t>- Strategy Replication: Implement successful strategies from Mumbai in other regions</a:t>
+            </a:r>
+          </a:p>
+          <a:p>
+            <a:endParaRPr lang="en-US" dirty="0"/>
+          </a:p>
+          <a:p>
+            <a:endParaRPr lang="en-IN" dirty="0"/>
+          </a:p>
+          <a:p>
+            <a:endParaRPr lang="en-IN" dirty="0"/>
+          </a:p>
+          <a:p>
+            <a:endParaRPr lang="en-IN" dirty="0"/>
+          </a:p>
+          <a:p>
+            <a:endParaRPr lang="en-IN" dirty="0"/>
+          </a:p>
+          <a:p>
+            <a:pPr marL="0" indent="0">
+              <a:buNone/>
+            </a:pPr>
+            <a:r>
+              <a:rPr lang="en-IN" dirty="0"/>
+              <a:t>                              </a:t>
+            </a:r>
+            <a:endParaRPr dirty="0"/>
           </a:p>
         </p:txBody>
       </p:sp>
